--- a/TradeZ MVP.pptx
+++ b/TradeZ MVP.pptx
@@ -5619,7 +5619,7 @@
       </p:sp>
       <p:pic>
         <p:nvPicPr>
-          <p:cNvPr id="4" name="Content Placeholder 3" descr="Overview.png"/>
+          <p:cNvPr id="6" name="Content Placeholder 5" descr="Overview.png"/>
           <p:cNvPicPr>
             <a:picLocks noGrp="1" noChangeAspect="1"/>
           </p:cNvPicPr>
@@ -5635,7 +5635,7 @@
               </a:ext>
             </a:extLst>
           </a:blip>
-          <a:srcRect l="-2261" r="-2261"/>
+          <a:srcRect l="-21769" r="-21769"/>
           <a:stretch>
             <a:fillRect/>
           </a:stretch>
